--- a/LearnKnowD Sales Analysis.pptx
+++ b/LearnKnowD Sales Analysis.pptx
@@ -14,7 +14,8 @@
     <p:sldId id="266" r:id="rId8"/>
     <p:sldId id="261" r:id="rId9"/>
     <p:sldId id="270" r:id="rId10"/>
-    <p:sldId id="269" r:id="rId11"/>
+    <p:sldId id="271" r:id="rId11"/>
+    <p:sldId id="269" r:id="rId12"/>
   </p:sldIdLst>
   <p:sldSz cx="12192000" cy="6858000"/>
   <p:notesSz cx="6858000" cy="9144000"/>
@@ -7834,6 +7835,405 @@
           <p:cNvPr id="2" name="Title 1">
             <a:extLst>
               <a:ext uri="{FF2B5EF4-FFF2-40B4-BE49-F238E27FC236}">
+                <a16:creationId xmlns:a16="http://schemas.microsoft.com/office/drawing/2014/main" id="{8DEE5B04-59FE-18AA-0D6D-9F5E5B62F87C}"/>
+              </a:ext>
+            </a:extLst>
+          </p:cNvPr>
+          <p:cNvSpPr>
+            <a:spLocks noGrp="1"/>
+          </p:cNvSpPr>
+          <p:nvPr>
+            <p:ph type="title"/>
+          </p:nvPr>
+        </p:nvSpPr>
+        <p:spPr>
+          <a:xfrm>
+            <a:off x="2592924" y="624110"/>
+            <a:ext cx="8911687" cy="5624290"/>
+          </a:xfrm>
+        </p:spPr>
+        <p:txBody>
+          <a:bodyPr>
+            <a:normAutofit fontScale="90000"/>
+          </a:bodyPr>
+          <a:lstStyle/>
+          <a:p>
+            <a:r>
+              <a:rPr lang="en-US" sz="1300" b="1" dirty="0">
+                <a:solidFill>
+                  <a:schemeClr val="accent1"/>
+                </a:solidFill>
+                <a:latin typeface="Aptos" panose="020B0004020202020204" pitchFamily="34" charset="0"/>
+              </a:rPr>
+              <a:t>                                                                                                             </a:t>
+            </a:r>
+            <a:r>
+              <a:rPr lang="en-US" sz="1800" b="1" u="sng" dirty="0">
+                <a:solidFill>
+                  <a:srgbClr val="0070C0"/>
+                </a:solidFill>
+                <a:latin typeface="Aptos" panose="020B0004020202020204" pitchFamily="34" charset="0"/>
+              </a:rPr>
+              <a:t>Insights and Recommendations</a:t>
+            </a:r>
+            <a:br>
+              <a:rPr lang="en-US" sz="1300" b="1" dirty="0">
+                <a:solidFill>
+                  <a:schemeClr val="accent1"/>
+                </a:solidFill>
+                <a:latin typeface="Aptos" panose="020B0004020202020204" pitchFamily="34" charset="0"/>
+              </a:rPr>
+            </a:br>
+            <a:r>
+              <a:rPr lang="en-US" sz="1300" b="1" dirty="0">
+                <a:solidFill>
+                  <a:schemeClr val="accent1"/>
+                </a:solidFill>
+                <a:latin typeface="Aptos" panose="020B0004020202020204" pitchFamily="34" charset="0"/>
+              </a:rPr>
+              <a:t>Insights:</a:t>
+            </a:r>
+            <a:br>
+              <a:rPr lang="en-US" sz="1300" b="1" dirty="0">
+                <a:latin typeface="Aptos" panose="020B0004020202020204" pitchFamily="34" charset="0"/>
+              </a:rPr>
+            </a:br>
+            <a:r>
+              <a:rPr lang="en-US" sz="1300" b="1" dirty="0">
+                <a:latin typeface="Aptos" panose="020B0004020202020204" pitchFamily="34" charset="0"/>
+              </a:rPr>
+              <a:t>High Revenue from the UK</a:t>
+            </a:r>
+            <a:r>
+              <a:rPr lang="en-US" sz="1300" dirty="0">
+                <a:latin typeface="Aptos" panose="020B0004020202020204" pitchFamily="34" charset="0"/>
+              </a:rPr>
+              <a:t>:</a:t>
+            </a:r>
+            <a:br>
+              <a:rPr lang="en-US" sz="1300" dirty="0">
+                <a:latin typeface="Aptos" panose="020B0004020202020204" pitchFamily="34" charset="0"/>
+              </a:rPr>
+            </a:br>
+            <a:r>
+              <a:rPr lang="en-US" sz="1300" dirty="0">
+                <a:latin typeface="Aptos" panose="020B0004020202020204" pitchFamily="34" charset="0"/>
+              </a:rPr>
+              <a:t>The United Kingdom is the major revenue contributor, generating significantly more revenue than other countries.</a:t>
+            </a:r>
+            <a:br>
+              <a:rPr lang="en-US" sz="1300" dirty="0">
+                <a:latin typeface="Aptos" panose="020B0004020202020204" pitchFamily="34" charset="0"/>
+              </a:rPr>
+            </a:br>
+            <a:r>
+              <a:rPr lang="en-US" sz="1300" b="1" dirty="0">
+                <a:latin typeface="Aptos" panose="020B0004020202020204" pitchFamily="34" charset="0"/>
+              </a:rPr>
+              <a:t>Product Performance</a:t>
+            </a:r>
+            <a:r>
+              <a:rPr lang="en-US" sz="1300" dirty="0">
+                <a:latin typeface="Aptos" panose="020B0004020202020204" pitchFamily="34" charset="0"/>
+              </a:rPr>
+              <a:t>:</a:t>
+            </a:r>
+            <a:br>
+              <a:rPr lang="en-US" sz="1300" dirty="0">
+                <a:latin typeface="Aptos" panose="020B0004020202020204" pitchFamily="34" charset="0"/>
+              </a:rPr>
+            </a:br>
+            <a:r>
+              <a:rPr lang="en-US" sz="1300" dirty="0">
+                <a:latin typeface="Aptos" panose="020B0004020202020204" pitchFamily="34" charset="0"/>
+              </a:rPr>
+              <a:t>A few products dominate the sales, with the top product generating over ₹2.1M in revenue.</a:t>
+            </a:r>
+            <a:br>
+              <a:rPr lang="en-US" sz="1300" dirty="0">
+                <a:latin typeface="Aptos" panose="020B0004020202020204" pitchFamily="34" charset="0"/>
+              </a:rPr>
+            </a:br>
+            <a:r>
+              <a:rPr lang="en-US" sz="1300" b="1" dirty="0">
+                <a:latin typeface="Aptos" panose="020B0004020202020204" pitchFamily="34" charset="0"/>
+              </a:rPr>
+              <a:t>Seasonal Trends</a:t>
+            </a:r>
+            <a:r>
+              <a:rPr lang="en-US" sz="1300" dirty="0">
+                <a:latin typeface="Aptos" panose="020B0004020202020204" pitchFamily="34" charset="0"/>
+              </a:rPr>
+              <a:t>:</a:t>
+            </a:r>
+            <a:br>
+              <a:rPr lang="en-US" sz="1300" dirty="0">
+                <a:latin typeface="Aptos" panose="020B0004020202020204" pitchFamily="34" charset="0"/>
+              </a:rPr>
+            </a:br>
+            <a:r>
+              <a:rPr lang="en-US" sz="1300" dirty="0">
+                <a:latin typeface="Aptos" panose="020B0004020202020204" pitchFamily="34" charset="0"/>
+              </a:rPr>
+              <a:t>There is a noticeable increase in revenue in the months of November and December, indicating strong seasonal sales, likely due to holiday shopping.</a:t>
+            </a:r>
+            <a:br>
+              <a:rPr lang="en-US" sz="1300" dirty="0">
+                <a:latin typeface="Aptos" panose="020B0004020202020204" pitchFamily="34" charset="0"/>
+              </a:rPr>
+            </a:br>
+            <a:r>
+              <a:rPr lang="en-US" sz="1300" b="1" dirty="0">
+                <a:latin typeface="Aptos" panose="020B0004020202020204" pitchFamily="34" charset="0"/>
+              </a:rPr>
+              <a:t>Customer Spending</a:t>
+            </a:r>
+            <a:r>
+              <a:rPr lang="en-US" sz="1300" dirty="0">
+                <a:latin typeface="Aptos" panose="020B0004020202020204" pitchFamily="34" charset="0"/>
+              </a:rPr>
+              <a:t>:</a:t>
+            </a:r>
+            <a:br>
+              <a:rPr lang="en-US" sz="1300" dirty="0">
+                <a:latin typeface="Aptos" panose="020B0004020202020204" pitchFamily="34" charset="0"/>
+              </a:rPr>
+            </a:br>
+            <a:r>
+              <a:rPr lang="en-US" sz="1300" dirty="0">
+                <a:latin typeface="Aptos" panose="020B0004020202020204" pitchFamily="34" charset="0"/>
+              </a:rPr>
+              <a:t>On average, each customer spends ₹2,434.16, which is useful for understanding customer behavior and potential customer value.</a:t>
+            </a:r>
+            <a:br>
+              <a:rPr lang="en-US" sz="1300" dirty="0">
+                <a:latin typeface="Aptos" panose="020B0004020202020204" pitchFamily="34" charset="0"/>
+              </a:rPr>
+            </a:br>
+            <a:r>
+              <a:rPr lang="en-US" sz="1300" b="1" dirty="0">
+                <a:latin typeface="Aptos" panose="020B0004020202020204" pitchFamily="34" charset="0"/>
+              </a:rPr>
+              <a:t>Geographical Distribution</a:t>
+            </a:r>
+            <a:r>
+              <a:rPr lang="en-US" sz="1300" dirty="0">
+                <a:latin typeface="Aptos" panose="020B0004020202020204" pitchFamily="34" charset="0"/>
+              </a:rPr>
+              <a:t>:</a:t>
+            </a:r>
+            <a:br>
+              <a:rPr lang="en-US" sz="1300" dirty="0">
+                <a:latin typeface="Aptos" panose="020B0004020202020204" pitchFamily="34" charset="0"/>
+              </a:rPr>
+            </a:br>
+            <a:r>
+              <a:rPr lang="en-US" sz="1300" dirty="0">
+                <a:latin typeface="Aptos" panose="020B0004020202020204" pitchFamily="34" charset="0"/>
+              </a:rPr>
+              <a:t>Sales are heavily concentrated in certain countries, with some countries showing very low revenue, indicating potential markets for growth.</a:t>
+            </a:r>
+            <a:br>
+              <a:rPr lang="en-US" sz="1300" dirty="0">
+                <a:latin typeface="Aptos" panose="020B0004020202020204" pitchFamily="34" charset="0"/>
+              </a:rPr>
+            </a:br>
+            <a:br>
+              <a:rPr lang="en-US" sz="1300" dirty="0">
+                <a:latin typeface="Aptos" panose="020B0004020202020204" pitchFamily="34" charset="0"/>
+              </a:rPr>
+            </a:br>
+            <a:r>
+              <a:rPr lang="en-US" sz="1300" b="1" dirty="0">
+                <a:solidFill>
+                  <a:schemeClr val="accent1"/>
+                </a:solidFill>
+                <a:latin typeface="Aptos" panose="020B0004020202020204" pitchFamily="34" charset="0"/>
+              </a:rPr>
+              <a:t>Recommendations:</a:t>
+            </a:r>
+            <a:br>
+              <a:rPr lang="en-US" sz="1300" b="1" dirty="0">
+                <a:latin typeface="Aptos" panose="020B0004020202020204" pitchFamily="34" charset="0"/>
+              </a:rPr>
+            </a:br>
+            <a:r>
+              <a:rPr lang="en-US" sz="1300" b="1" dirty="0">
+                <a:latin typeface="Aptos" panose="020B0004020202020204" pitchFamily="34" charset="0"/>
+              </a:rPr>
+              <a:t>Focus on High-Performing Countries</a:t>
+            </a:r>
+            <a:r>
+              <a:rPr lang="en-US" sz="1300" dirty="0">
+                <a:latin typeface="Aptos" panose="020B0004020202020204" pitchFamily="34" charset="0"/>
+              </a:rPr>
+              <a:t>:</a:t>
+            </a:r>
+            <a:br>
+              <a:rPr lang="en-US" sz="1300" dirty="0">
+                <a:latin typeface="Aptos" panose="020B0004020202020204" pitchFamily="34" charset="0"/>
+              </a:rPr>
+            </a:br>
+            <a:r>
+              <a:rPr lang="en-US" sz="1300" dirty="0">
+                <a:latin typeface="Aptos" panose="020B0004020202020204" pitchFamily="34" charset="0"/>
+              </a:rPr>
+              <a:t>Continue to focus marketing and sales efforts on high-performing countries like the United Kingdom, Netherlands, EIRE, and Germany.</a:t>
+            </a:r>
+            <a:br>
+              <a:rPr lang="en-US" sz="1300" dirty="0">
+                <a:latin typeface="Aptos" panose="020B0004020202020204" pitchFamily="34" charset="0"/>
+              </a:rPr>
+            </a:br>
+            <a:r>
+              <a:rPr lang="en-US" sz="1300" b="1" dirty="0">
+                <a:latin typeface="Aptos" panose="020B0004020202020204" pitchFamily="34" charset="0"/>
+              </a:rPr>
+              <a:t>Promote During High Revenue Months</a:t>
+            </a:r>
+            <a:r>
+              <a:rPr lang="en-US" sz="1300" dirty="0">
+                <a:latin typeface="Aptos" panose="020B0004020202020204" pitchFamily="34" charset="0"/>
+              </a:rPr>
+              <a:t>:</a:t>
+            </a:r>
+            <a:br>
+              <a:rPr lang="en-US" sz="1300" dirty="0">
+                <a:latin typeface="Aptos" panose="020B0004020202020204" pitchFamily="34" charset="0"/>
+              </a:rPr>
+            </a:br>
+            <a:r>
+              <a:rPr lang="en-US" sz="1300" dirty="0">
+                <a:latin typeface="Aptos" panose="020B0004020202020204" pitchFamily="34" charset="0"/>
+              </a:rPr>
+              <a:t>Capitalize on the high-revenue months (November and December) by running special promotions and discounts.</a:t>
+            </a:r>
+            <a:br>
+              <a:rPr lang="en-US" sz="1300" dirty="0">
+                <a:latin typeface="Aptos" panose="020B0004020202020204" pitchFamily="34" charset="0"/>
+              </a:rPr>
+            </a:br>
+            <a:r>
+              <a:rPr lang="en-US" sz="1300" b="1" dirty="0">
+                <a:latin typeface="Aptos" panose="020B0004020202020204" pitchFamily="34" charset="0"/>
+              </a:rPr>
+              <a:t>Expand in Low Revenue Countries</a:t>
+            </a:r>
+            <a:r>
+              <a:rPr lang="en-US" sz="1300" dirty="0">
+                <a:latin typeface="Aptos" panose="020B0004020202020204" pitchFamily="34" charset="0"/>
+              </a:rPr>
+              <a:t>:</a:t>
+            </a:r>
+            <a:br>
+              <a:rPr lang="en-US" sz="1300" dirty="0">
+                <a:latin typeface="Aptos" panose="020B0004020202020204" pitchFamily="34" charset="0"/>
+              </a:rPr>
+            </a:br>
+            <a:r>
+              <a:rPr lang="en-US" sz="1300" dirty="0">
+                <a:latin typeface="Aptos" panose="020B0004020202020204" pitchFamily="34" charset="0"/>
+              </a:rPr>
+              <a:t>Investigate the reasons for low sales in the bottom-performing countries and develop strategies to increase market penetration and revenue.</a:t>
+            </a:r>
+            <a:br>
+              <a:rPr lang="en-US" sz="1300" dirty="0">
+                <a:latin typeface="Aptos" panose="020B0004020202020204" pitchFamily="34" charset="0"/>
+              </a:rPr>
+            </a:br>
+            <a:r>
+              <a:rPr lang="en-US" sz="1300" b="1" dirty="0">
+                <a:latin typeface="Aptos" panose="020B0004020202020204" pitchFamily="34" charset="0"/>
+              </a:rPr>
+              <a:t>Enhance Product Portfolio</a:t>
+            </a:r>
+            <a:r>
+              <a:rPr lang="en-US" sz="1300" dirty="0">
+                <a:latin typeface="Aptos" panose="020B0004020202020204" pitchFamily="34" charset="0"/>
+              </a:rPr>
+              <a:t>:</a:t>
+            </a:r>
+            <a:br>
+              <a:rPr lang="en-US" sz="1300" dirty="0">
+                <a:latin typeface="Aptos" panose="020B0004020202020204" pitchFamily="34" charset="0"/>
+              </a:rPr>
+            </a:br>
+            <a:r>
+              <a:rPr lang="en-US" sz="1300" dirty="0">
+                <a:latin typeface="Aptos" panose="020B0004020202020204" pitchFamily="34" charset="0"/>
+              </a:rPr>
+              <a:t>Analyze why top products are performing well and consider expanding the product line with similar items to boost overall revenue.</a:t>
+            </a:r>
+            <a:br>
+              <a:rPr lang="en-US" sz="1300" dirty="0">
+                <a:latin typeface="Aptos" panose="020B0004020202020204" pitchFamily="34" charset="0"/>
+              </a:rPr>
+            </a:br>
+            <a:r>
+              <a:rPr lang="en-US" sz="1300" b="1" dirty="0">
+                <a:latin typeface="Aptos" panose="020B0004020202020204" pitchFamily="34" charset="0"/>
+              </a:rPr>
+              <a:t>Customer Retention</a:t>
+            </a:r>
+            <a:r>
+              <a:rPr lang="en-US" sz="1300" dirty="0">
+                <a:latin typeface="Aptos" panose="020B0004020202020204" pitchFamily="34" charset="0"/>
+              </a:rPr>
+              <a:t>:</a:t>
+            </a:r>
+            <a:br>
+              <a:rPr lang="en-US" sz="1300" dirty="0">
+                <a:latin typeface="Aptos" panose="020B0004020202020204" pitchFamily="34" charset="0"/>
+              </a:rPr>
+            </a:br>
+            <a:r>
+              <a:rPr lang="en-US" sz="1300" dirty="0">
+                <a:latin typeface="Aptos" panose="020B0004020202020204" pitchFamily="34" charset="0"/>
+              </a:rPr>
+              <a:t>Implement loyalty programs and targeted marketing campaigns to increase the average spend per customer and retain valuable customers.</a:t>
+            </a:r>
+            <a:br>
+              <a:rPr lang="en-US" dirty="0"/>
+            </a:br>
+            <a:endParaRPr lang="en-IN" dirty="0"/>
+          </a:p>
+        </p:txBody>
+      </p:sp>
+    </p:spTree>
+    <p:extLst>
+      <p:ext uri="{BB962C8B-B14F-4D97-AF65-F5344CB8AC3E}">
+        <p14:creationId xmlns:p14="http://schemas.microsoft.com/office/powerpoint/2010/main" val="4029198244"/>
+      </p:ext>
+    </p:extLst>
+  </p:cSld>
+  <p:clrMapOvr>
+    <a:masterClrMapping/>
+  </p:clrMapOvr>
+</p:sld>
+</file>
+
+<file path=ppt/slides/slide11.xml><?xml version="1.0" encoding="utf-8"?>
+<p:sld xmlns:a="http://schemas.openxmlformats.org/drawingml/2006/main" xmlns:r="http://schemas.openxmlformats.org/officeDocument/2006/relationships" xmlns:p="http://schemas.openxmlformats.org/presentationml/2006/main">
+  <p:cSld>
+    <p:spTree>
+      <p:nvGrpSpPr>
+        <p:cNvPr id="1" name=""/>
+        <p:cNvGrpSpPr/>
+        <p:nvPr/>
+      </p:nvGrpSpPr>
+      <p:grpSpPr>
+        <a:xfrm>
+          <a:off x="0" y="0"/>
+          <a:ext cx="0" cy="0"/>
+          <a:chOff x="0" y="0"/>
+          <a:chExt cx="0" cy="0"/>
+        </a:xfrm>
+      </p:grpSpPr>
+      <p:sp>
+        <p:nvSpPr>
+          <p:cNvPr id="2" name="Title 1">
+            <a:extLst>
+              <a:ext uri="{FF2B5EF4-FFF2-40B4-BE49-F238E27FC236}">
                 <a16:creationId xmlns:a16="http://schemas.microsoft.com/office/drawing/2014/main" id="{24B1EB5B-2341-1554-B431-76E66DD60E07}"/>
               </a:ext>
             </a:extLst>

--- a/LearnKnowD Sales Analysis.pptx
+++ b/LearnKnowD Sales Analysis.pptx
@@ -8,14 +8,15 @@
     <p:sldId id="256" r:id="rId2"/>
     <p:sldId id="267" r:id="rId3"/>
     <p:sldId id="268" r:id="rId4"/>
-    <p:sldId id="258" r:id="rId5"/>
-    <p:sldId id="259" r:id="rId6"/>
-    <p:sldId id="260" r:id="rId7"/>
-    <p:sldId id="266" r:id="rId8"/>
-    <p:sldId id="261" r:id="rId9"/>
-    <p:sldId id="270" r:id="rId10"/>
-    <p:sldId id="271" r:id="rId11"/>
-    <p:sldId id="269" r:id="rId12"/>
+    <p:sldId id="272" r:id="rId5"/>
+    <p:sldId id="258" r:id="rId6"/>
+    <p:sldId id="259" r:id="rId7"/>
+    <p:sldId id="260" r:id="rId8"/>
+    <p:sldId id="266" r:id="rId9"/>
+    <p:sldId id="261" r:id="rId10"/>
+    <p:sldId id="270" r:id="rId11"/>
+    <p:sldId id="271" r:id="rId12"/>
+    <p:sldId id="269" r:id="rId13"/>
   </p:sldIdLst>
   <p:sldSz cx="12192000" cy="6858000"/>
   <p:notesSz cx="6858000" cy="9144000"/>
@@ -7787,7 +7788,19 @@
                 </a:solidFill>
                 <a:latin typeface="Aptos" panose="020B0004020202020204" pitchFamily="34" charset="0"/>
               </a:rPr>
-              <a:t>LinkedIn- https://www.linkedin.com/in/hemant-gupta-4914baa6</a:t>
+              <a:t>LinkedIn- </a:t>
+            </a:r>
+            <a:r>
+              <a:rPr lang="en-IN" sz="1400" dirty="0">
+                <a:solidFill>
+                  <a:schemeClr val="accent1">
+                    <a:lumMod val="60000"/>
+                    <a:lumOff val="40000"/>
+                  </a:schemeClr>
+                </a:solidFill>
+                <a:latin typeface="Aptos" panose="020B0004020202020204" pitchFamily="34" charset="0"/>
+              </a:rPr>
+              <a:t>https://www.linkedin.com/in/hemant-gupta-4914baa6</a:t>
             </a:r>
           </a:p>
           <a:p>
@@ -7835,6 +7848,255 @@
           <p:cNvPr id="2" name="Title 1">
             <a:extLst>
               <a:ext uri="{FF2B5EF4-FFF2-40B4-BE49-F238E27FC236}">
+                <a16:creationId xmlns:a16="http://schemas.microsoft.com/office/drawing/2014/main" id="{EBABC489-B0F5-82A1-ABBF-55455141F9C7}"/>
+              </a:ext>
+            </a:extLst>
+          </p:cNvPr>
+          <p:cNvSpPr>
+            <a:spLocks noGrp="1"/>
+          </p:cNvSpPr>
+          <p:nvPr>
+            <p:ph type="title"/>
+          </p:nvPr>
+        </p:nvSpPr>
+        <p:spPr>
+          <a:xfrm>
+            <a:off x="1882588" y="446088"/>
+            <a:ext cx="6777318" cy="683465"/>
+          </a:xfrm>
+        </p:spPr>
+        <p:txBody>
+          <a:bodyPr/>
+          <a:lstStyle/>
+          <a:p>
+            <a:r>
+              <a:rPr lang="en-IN" b="1" dirty="0">
+                <a:solidFill>
+                  <a:srgbClr val="C00000"/>
+                </a:solidFill>
+                <a:latin typeface="Aptos" panose="020B0004020202020204" pitchFamily="34" charset="0"/>
+              </a:rPr>
+              <a:t>Slicers (Filters) by Location and Restaurant Category</a:t>
+            </a:r>
+          </a:p>
+        </p:txBody>
+      </p:sp>
+      <p:pic>
+        <p:nvPicPr>
+          <p:cNvPr id="8" name="Content Placeholder 7">
+            <a:extLst>
+              <a:ext uri="{FF2B5EF4-FFF2-40B4-BE49-F238E27FC236}">
+                <a16:creationId xmlns:a16="http://schemas.microsoft.com/office/drawing/2014/main" id="{2173F8EA-4E8B-6BD9-7A5D-54BF5867DF32}"/>
+              </a:ext>
+            </a:extLst>
+          </p:cNvPr>
+          <p:cNvPicPr>
+            <a:picLocks noGrp="1" noChangeAspect="1"/>
+          </p:cNvPicPr>
+          <p:nvPr>
+            <p:ph idx="1"/>
+          </p:nvPr>
+        </p:nvPicPr>
+        <p:blipFill>
+          <a:blip r:embed="rId2"/>
+          <a:srcRect/>
+          <a:stretch/>
+        </p:blipFill>
+        <p:spPr>
+          <a:xfrm>
+            <a:off x="7770363" y="2169459"/>
+            <a:ext cx="3772426" cy="3315163"/>
+          </a:xfrm>
+        </p:spPr>
+      </p:pic>
+      <p:sp>
+        <p:nvSpPr>
+          <p:cNvPr id="4" name="Text Placeholder 3">
+            <a:extLst>
+              <a:ext uri="{FF2B5EF4-FFF2-40B4-BE49-F238E27FC236}">
+                <a16:creationId xmlns:a16="http://schemas.microsoft.com/office/drawing/2014/main" id="{49C094A0-7BE9-161E-B308-897039357ACE}"/>
+              </a:ext>
+            </a:extLst>
+          </p:cNvPr>
+          <p:cNvSpPr>
+            <a:spLocks noGrp="1"/>
+          </p:cNvSpPr>
+          <p:nvPr>
+            <p:ph type="body" sz="half" idx="2"/>
+          </p:nvPr>
+        </p:nvSpPr>
+        <p:spPr>
+          <a:xfrm>
+            <a:off x="2043953" y="1927412"/>
+            <a:ext cx="5208493" cy="3933637"/>
+          </a:xfrm>
+        </p:spPr>
+        <p:txBody>
+          <a:bodyPr>
+            <a:normAutofit/>
+          </a:bodyPr>
+          <a:lstStyle/>
+          <a:p>
+            <a:r>
+              <a:rPr lang="en-US" b="1" dirty="0">
+                <a:solidFill>
+                  <a:srgbClr val="0070C0"/>
+                </a:solidFill>
+              </a:rPr>
+              <a:t>Insights:-</a:t>
+            </a:r>
+            <a:r>
+              <a:rPr lang="en-US" dirty="0"/>
+              <a:t> </a:t>
+            </a:r>
+            <a:r>
+              <a:rPr lang="en-US" dirty="0">
+                <a:solidFill>
+                  <a:srgbClr val="002060"/>
+                </a:solidFill>
+                <a:latin typeface="Aptos" panose="020B0004020202020204" pitchFamily="34" charset="0"/>
+              </a:rPr>
+              <a:t>To enhance the data analysis process, I utilized slicers in Power BI. Specifically, I implemented slicers based on ‘Country Location’, Month Name and Year. These slicers provide the following benefits:</a:t>
+            </a:r>
+          </a:p>
+          <a:p>
+            <a:pPr>
+              <a:buFont typeface="Arial" panose="020B0604020202020204" pitchFamily="34" charset="0"/>
+              <a:buChar char="•"/>
+            </a:pPr>
+            <a:r>
+              <a:rPr lang="en-US" b="1" dirty="0">
+                <a:solidFill>
+                  <a:srgbClr val="C00000"/>
+                </a:solidFill>
+                <a:latin typeface="Aptos" panose="020B0004020202020204" pitchFamily="34" charset="0"/>
+              </a:rPr>
+              <a:t>Enhanced Specificity:</a:t>
+            </a:r>
+            <a:r>
+              <a:rPr lang="en-US" dirty="0">
+                <a:solidFill>
+                  <a:srgbClr val="C00000"/>
+                </a:solidFill>
+                <a:latin typeface="Aptos" panose="020B0004020202020204" pitchFamily="34" charset="0"/>
+              </a:rPr>
+              <a:t> </a:t>
+            </a:r>
+            <a:r>
+              <a:rPr lang="en-US" dirty="0">
+                <a:latin typeface="Aptos" panose="020B0004020202020204" pitchFamily="34" charset="0"/>
+              </a:rPr>
+              <a:t>Allows for more granular analysis by filtering data according to specific city locations and restaurant categories.</a:t>
+            </a:r>
+          </a:p>
+          <a:p>
+            <a:pPr>
+              <a:buFont typeface="Arial" panose="020B0604020202020204" pitchFamily="34" charset="0"/>
+              <a:buChar char="•"/>
+            </a:pPr>
+            <a:r>
+              <a:rPr lang="en-US" b="1" dirty="0">
+                <a:solidFill>
+                  <a:srgbClr val="C00000"/>
+                </a:solidFill>
+                <a:latin typeface="Aptos" panose="020B0004020202020204" pitchFamily="34" charset="0"/>
+              </a:rPr>
+              <a:t>Improved Interactivity:</a:t>
+            </a:r>
+            <a:r>
+              <a:rPr lang="en-US" dirty="0">
+                <a:solidFill>
+                  <a:srgbClr val="C00000"/>
+                </a:solidFill>
+                <a:latin typeface="Aptos" panose="020B0004020202020204" pitchFamily="34" charset="0"/>
+              </a:rPr>
+              <a:t> </a:t>
+            </a:r>
+            <a:r>
+              <a:rPr lang="en-US" dirty="0">
+                <a:latin typeface="Aptos" panose="020B0004020202020204" pitchFamily="34" charset="0"/>
+              </a:rPr>
+              <a:t>Adds value to the dashboard by making it interactive, enabling users to explore the data dynamically.</a:t>
+            </a:r>
+          </a:p>
+          <a:p>
+            <a:pPr>
+              <a:buFont typeface="Arial" panose="020B0604020202020204" pitchFamily="34" charset="0"/>
+              <a:buChar char="•"/>
+            </a:pPr>
+            <a:r>
+              <a:rPr lang="en-US" b="1" dirty="0">
+                <a:solidFill>
+                  <a:srgbClr val="C00000"/>
+                </a:solidFill>
+                <a:latin typeface="Aptos" panose="020B0004020202020204" pitchFamily="34" charset="0"/>
+              </a:rPr>
+              <a:t>Efficient Data Analysis:</a:t>
+            </a:r>
+            <a:r>
+              <a:rPr lang="en-US" dirty="0">
+                <a:solidFill>
+                  <a:srgbClr val="C00000"/>
+                </a:solidFill>
+                <a:latin typeface="Aptos" panose="020B0004020202020204" pitchFamily="34" charset="0"/>
+              </a:rPr>
+              <a:t> </a:t>
+            </a:r>
+            <a:r>
+              <a:rPr lang="en-US" dirty="0">
+                <a:latin typeface="Aptos" panose="020B0004020202020204" pitchFamily="34" charset="0"/>
+              </a:rPr>
+              <a:t>Facilitates a more targeted examination of the dataset, helping to uncover detailed insights and trends.</a:t>
+            </a:r>
+          </a:p>
+          <a:p>
+            <a:r>
+              <a:rPr lang="en-US" dirty="0">
+                <a:latin typeface="Aptos" panose="020B0004020202020204" pitchFamily="34" charset="0"/>
+              </a:rPr>
+              <a:t>Using slicers, the dashboard becomes a powerful tool for understanding and interpreting the restaurant data in a more meaningful way.</a:t>
+            </a:r>
+          </a:p>
+          <a:p>
+            <a:endParaRPr lang="en-IN" dirty="0"/>
+          </a:p>
+        </p:txBody>
+      </p:sp>
+    </p:spTree>
+    <p:extLst>
+      <p:ext uri="{BB962C8B-B14F-4D97-AF65-F5344CB8AC3E}">
+        <p14:creationId xmlns:p14="http://schemas.microsoft.com/office/powerpoint/2010/main" val="2967760983"/>
+      </p:ext>
+    </p:extLst>
+  </p:cSld>
+  <p:clrMapOvr>
+    <a:masterClrMapping/>
+  </p:clrMapOvr>
+</p:sld>
+</file>
+
+<file path=ppt/slides/slide11.xml><?xml version="1.0" encoding="utf-8"?>
+<p:sld xmlns:a="http://schemas.openxmlformats.org/drawingml/2006/main" xmlns:r="http://schemas.openxmlformats.org/officeDocument/2006/relationships" xmlns:p="http://schemas.openxmlformats.org/presentationml/2006/main">
+  <p:cSld>
+    <p:spTree>
+      <p:nvGrpSpPr>
+        <p:cNvPr id="1" name=""/>
+        <p:cNvGrpSpPr/>
+        <p:nvPr/>
+      </p:nvGrpSpPr>
+      <p:grpSpPr>
+        <a:xfrm>
+          <a:off x="0" y="0"/>
+          <a:ext cx="0" cy="0"/>
+          <a:chOff x="0" y="0"/>
+          <a:chExt cx="0" cy="0"/>
+        </a:xfrm>
+      </p:grpSpPr>
+      <p:sp>
+        <p:nvSpPr>
+          <p:cNvPr id="2" name="Title 1">
+            <a:extLst>
+              <a:ext uri="{FF2B5EF4-FFF2-40B4-BE49-F238E27FC236}">
                 <a16:creationId xmlns:a16="http://schemas.microsoft.com/office/drawing/2014/main" id="{8DEE5B04-59FE-18AA-0D6D-9F5E5B62F87C}"/>
               </a:ext>
             </a:extLst>
@@ -8212,7 +8474,7 @@
 </p:sld>
 </file>
 
-<file path=ppt/slides/slide11.xml><?xml version="1.0" encoding="utf-8"?>
+<file path=ppt/slides/slide12.xml><?xml version="1.0" encoding="utf-8"?>
 <p:sld xmlns:a="http://schemas.openxmlformats.org/drawingml/2006/main" xmlns:r="http://schemas.openxmlformats.org/officeDocument/2006/relationships" xmlns:p="http://schemas.openxmlformats.org/presentationml/2006/main">
   <p:cSld>
     <p:spTree>
@@ -8417,7 +8679,7 @@
         </p:spPr>
         <p:txBody>
           <a:bodyPr>
-            <a:normAutofit fontScale="92500" lnSpcReduction="20000"/>
+            <a:normAutofit fontScale="85000" lnSpcReduction="20000"/>
           </a:bodyPr>
           <a:lstStyle/>
           <a:p>
@@ -8426,7 +8688,7 @@
                 <a:latin typeface="Aptos" panose="020B0004020202020204" pitchFamily="34" charset="0"/>
                 <a:cs typeface="Arial" panose="020B0604020202020204" pitchFamily="34" charset="0"/>
               </a:rPr>
-              <a:t>In this project, I analyze a large dataset available in the form of a CSV file. The analysis focuses on various parameters related to restaurants, including:</a:t>
+              <a:t>In this project, I analyze a large dataset available in the form of a CSV file. The analysis focuses on various parameters related to sales, including:</a:t>
             </a:r>
           </a:p>
           <a:p>
@@ -8687,6 +8949,21 @@
                 <a:latin typeface="Aptos" panose="020B0004020202020204" pitchFamily="34" charset="0"/>
               </a:rPr>
               <a:t>Matrix Chart</a:t>
+            </a:r>
+          </a:p>
+          <a:p>
+            <a:pPr>
+              <a:buFont typeface="Arial" panose="020B0604020202020204" pitchFamily="34" charset="0"/>
+              <a:buChar char="•"/>
+            </a:pPr>
+            <a:r>
+              <a:rPr lang="en-US" sz="1500" b="1" dirty="0">
+                <a:solidFill>
+                  <a:srgbClr val="0070C0"/>
+                </a:solidFill>
+                <a:latin typeface="Aptos" panose="020B0004020202020204" pitchFamily="34" charset="0"/>
+              </a:rPr>
+              <a:t>Bar Chart</a:t>
             </a:r>
             <a:endParaRPr lang="en-US" sz="1500" dirty="0">
               <a:solidFill>
@@ -8765,7 +9042,7 @@
                 </a:solidFill>
                 <a:latin typeface="Aptos" panose="020B0004020202020204" pitchFamily="34" charset="0"/>
               </a:rPr>
-              <a:t>Steps Taken to Analyze the Restaurant Data</a:t>
+              <a:t>Steps Taken to Analyze the Sales Data</a:t>
             </a:r>
             <a:endParaRPr lang="en-IN" sz="2800" u="sng" dirty="0">
               <a:solidFill>
@@ -9685,6 +9962,375 @@
           <p:cNvPr id="2" name="Title 1">
             <a:extLst>
               <a:ext uri="{FF2B5EF4-FFF2-40B4-BE49-F238E27FC236}">
+                <a16:creationId xmlns:a16="http://schemas.microsoft.com/office/drawing/2014/main" id="{B2B66C7A-B35F-DB91-3EBF-425C34111187}"/>
+              </a:ext>
+            </a:extLst>
+          </p:cNvPr>
+          <p:cNvSpPr>
+            <a:spLocks noGrp="1"/>
+          </p:cNvSpPr>
+          <p:nvPr>
+            <p:ph type="title"/>
+          </p:nvPr>
+        </p:nvSpPr>
+        <p:spPr>
+          <a:xfrm>
+            <a:off x="3245224" y="699247"/>
+            <a:ext cx="6562164" cy="555812"/>
+          </a:xfrm>
+        </p:spPr>
+        <p:txBody>
+          <a:bodyPr>
+            <a:normAutofit fontScale="90000"/>
+          </a:bodyPr>
+          <a:lstStyle/>
+          <a:p>
+            <a:r>
+              <a:rPr lang="en-IN" sz="2800" dirty="0">
+                <a:solidFill>
+                  <a:srgbClr val="C00000"/>
+                </a:solidFill>
+                <a:latin typeface="Aptos" panose="020B0004020202020204" pitchFamily="34" charset="0"/>
+              </a:rPr>
+              <a:t>“DAX Function” Used in Sales Data Analysis</a:t>
+            </a:r>
+          </a:p>
+        </p:txBody>
+      </p:sp>
+      <p:sp>
+        <p:nvSpPr>
+          <p:cNvPr id="3" name="Content Placeholder 2">
+            <a:extLst>
+              <a:ext uri="{FF2B5EF4-FFF2-40B4-BE49-F238E27FC236}">
+                <a16:creationId xmlns:a16="http://schemas.microsoft.com/office/drawing/2014/main" id="{C1BE19A4-BB9D-9600-8010-A6F8ABBC9E5A}"/>
+              </a:ext>
+            </a:extLst>
+          </p:cNvPr>
+          <p:cNvSpPr>
+            <a:spLocks noGrp="1"/>
+          </p:cNvSpPr>
+          <p:nvPr>
+            <p:ph idx="1"/>
+          </p:nvPr>
+        </p:nvSpPr>
+        <p:spPr>
+          <a:xfrm>
+            <a:off x="2589212" y="2205318"/>
+            <a:ext cx="8915400" cy="3705904"/>
+          </a:xfrm>
+        </p:spPr>
+        <p:txBody>
+          <a:bodyPr/>
+          <a:lstStyle/>
+          <a:p>
+            <a:r>
+              <a:rPr lang="en-US" b="0" dirty="0">
+                <a:solidFill>
+                  <a:srgbClr val="000000"/>
+                </a:solidFill>
+                <a:effectLst/>
+                <a:highlight>
+                  <a:srgbClr val="FFFFFE"/>
+                </a:highlight>
+                <a:latin typeface="Consolas" panose="020B0609020204030204" pitchFamily="49" charset="0"/>
+              </a:rPr>
+              <a:t>Avg Spend per Customer = </a:t>
+            </a:r>
+            <a:r>
+              <a:rPr lang="en-US" b="0" dirty="0">
+                <a:solidFill>
+                  <a:srgbClr val="3165BB"/>
+                </a:solidFill>
+                <a:effectLst/>
+                <a:highlight>
+                  <a:srgbClr val="FFFFFE"/>
+                </a:highlight>
+                <a:latin typeface="Consolas" panose="020B0609020204030204" pitchFamily="49" charset="0"/>
+              </a:rPr>
+              <a:t>DIVIDE</a:t>
+            </a:r>
+            <a:r>
+              <a:rPr lang="en-US" b="0" dirty="0">
+                <a:solidFill>
+                  <a:srgbClr val="000000"/>
+                </a:solidFill>
+                <a:effectLst/>
+                <a:highlight>
+                  <a:srgbClr val="FFFFFE"/>
+                </a:highlight>
+                <a:latin typeface="Consolas" panose="020B0609020204030204" pitchFamily="49" charset="0"/>
+              </a:rPr>
+              <a:t>(</a:t>
+            </a:r>
+            <a:r>
+              <a:rPr lang="en-US" b="0" dirty="0">
+                <a:solidFill>
+                  <a:srgbClr val="68349C"/>
+                </a:solidFill>
+                <a:effectLst/>
+                <a:highlight>
+                  <a:srgbClr val="FFFFFE"/>
+                </a:highlight>
+                <a:latin typeface="Consolas" panose="020B0609020204030204" pitchFamily="49" charset="0"/>
+              </a:rPr>
+              <a:t>[Total Revenue]</a:t>
+            </a:r>
+            <a:r>
+              <a:rPr lang="en-US" b="0" dirty="0">
+                <a:solidFill>
+                  <a:srgbClr val="000000"/>
+                </a:solidFill>
+                <a:effectLst/>
+                <a:highlight>
+                  <a:srgbClr val="FFFFFE"/>
+                </a:highlight>
+                <a:latin typeface="Consolas" panose="020B0609020204030204" pitchFamily="49" charset="0"/>
+              </a:rPr>
+              <a:t>, </a:t>
+            </a:r>
+            <a:r>
+              <a:rPr lang="en-US" b="0" dirty="0">
+                <a:solidFill>
+                  <a:srgbClr val="68349C"/>
+                </a:solidFill>
+                <a:effectLst/>
+                <a:highlight>
+                  <a:srgbClr val="FFFFFE"/>
+                </a:highlight>
+                <a:latin typeface="Consolas" panose="020B0609020204030204" pitchFamily="49" charset="0"/>
+              </a:rPr>
+              <a:t>[Unique Customers]</a:t>
+            </a:r>
+            <a:r>
+              <a:rPr lang="en-US" b="0" dirty="0">
+                <a:solidFill>
+                  <a:srgbClr val="000000"/>
+                </a:solidFill>
+                <a:effectLst/>
+                <a:highlight>
+                  <a:srgbClr val="FFFFFE"/>
+                </a:highlight>
+                <a:latin typeface="Consolas" panose="020B0609020204030204" pitchFamily="49" charset="0"/>
+              </a:rPr>
+              <a:t>, </a:t>
+            </a:r>
+            <a:r>
+              <a:rPr lang="en-US" b="0" dirty="0">
+                <a:solidFill>
+                  <a:srgbClr val="098658"/>
+                </a:solidFill>
+                <a:effectLst/>
+                <a:highlight>
+                  <a:srgbClr val="FFFFFE"/>
+                </a:highlight>
+                <a:latin typeface="Consolas" panose="020B0609020204030204" pitchFamily="49" charset="0"/>
+              </a:rPr>
+              <a:t>0</a:t>
+            </a:r>
+            <a:r>
+              <a:rPr lang="en-US" b="0" dirty="0">
+                <a:solidFill>
+                  <a:srgbClr val="000000"/>
+                </a:solidFill>
+                <a:effectLst/>
+                <a:highlight>
+                  <a:srgbClr val="FFFFFE"/>
+                </a:highlight>
+                <a:latin typeface="Consolas" panose="020B0609020204030204" pitchFamily="49" charset="0"/>
+              </a:rPr>
+              <a:t>)</a:t>
+            </a:r>
+          </a:p>
+          <a:p>
+            <a:pPr marL="0" indent="0">
+              <a:buNone/>
+            </a:pPr>
+            <a:endParaRPr lang="en-US" b="0" dirty="0">
+              <a:solidFill>
+                <a:srgbClr val="000000"/>
+              </a:solidFill>
+              <a:effectLst/>
+              <a:highlight>
+                <a:srgbClr val="FFFFFE"/>
+              </a:highlight>
+              <a:latin typeface="Consolas" panose="020B0609020204030204" pitchFamily="49" charset="0"/>
+            </a:endParaRPr>
+          </a:p>
+          <a:p>
+            <a:r>
+              <a:rPr lang="en-US" b="0" dirty="0">
+                <a:solidFill>
+                  <a:srgbClr val="000000"/>
+                </a:solidFill>
+                <a:effectLst/>
+                <a:highlight>
+                  <a:srgbClr val="FFFFFE"/>
+                </a:highlight>
+                <a:latin typeface="Consolas" panose="020B0609020204030204" pitchFamily="49" charset="0"/>
+              </a:rPr>
+              <a:t>Total_Revenue = </a:t>
+            </a:r>
+            <a:r>
+              <a:rPr lang="en-US" b="0" dirty="0">
+                <a:solidFill>
+                  <a:srgbClr val="3165BB"/>
+                </a:solidFill>
+                <a:effectLst/>
+                <a:highlight>
+                  <a:srgbClr val="FFFFFE"/>
+                </a:highlight>
+                <a:latin typeface="Consolas" panose="020B0609020204030204" pitchFamily="49" charset="0"/>
+              </a:rPr>
+              <a:t>SUMX</a:t>
+            </a:r>
+            <a:r>
+              <a:rPr lang="en-US" b="0" dirty="0">
+                <a:solidFill>
+                  <a:srgbClr val="000000"/>
+                </a:solidFill>
+                <a:effectLst/>
+                <a:highlight>
+                  <a:srgbClr val="FFFFFE"/>
+                </a:highlight>
+                <a:latin typeface="Consolas" panose="020B0609020204030204" pitchFamily="49" charset="0"/>
+              </a:rPr>
+              <a:t>(Sales_Data, Sales_Data[Quantity] * Sales_Data[UnitPrice])</a:t>
+            </a:r>
+          </a:p>
+          <a:p>
+            <a:pPr marL="0" indent="0">
+              <a:buNone/>
+            </a:pPr>
+            <a:endParaRPr lang="en-US" b="0" dirty="0">
+              <a:solidFill>
+                <a:srgbClr val="000000"/>
+              </a:solidFill>
+              <a:effectLst/>
+              <a:highlight>
+                <a:srgbClr val="FFFFFE"/>
+              </a:highlight>
+              <a:latin typeface="Consolas" panose="020B0609020204030204" pitchFamily="49" charset="0"/>
+            </a:endParaRPr>
+          </a:p>
+          <a:p>
+            <a:r>
+              <a:rPr lang="en-US" b="0" dirty="0">
+                <a:solidFill>
+                  <a:srgbClr val="000000"/>
+                </a:solidFill>
+                <a:effectLst/>
+                <a:highlight>
+                  <a:srgbClr val="FFFFFE"/>
+                </a:highlight>
+                <a:latin typeface="Consolas" panose="020B0609020204030204" pitchFamily="49" charset="0"/>
+              </a:rPr>
+              <a:t>Unique Customers = </a:t>
+            </a:r>
+            <a:r>
+              <a:rPr lang="en-US" b="0" dirty="0">
+                <a:solidFill>
+                  <a:srgbClr val="3165BB"/>
+                </a:solidFill>
+                <a:effectLst/>
+                <a:highlight>
+                  <a:srgbClr val="FFFFFE"/>
+                </a:highlight>
+                <a:latin typeface="Consolas" panose="020B0609020204030204" pitchFamily="49" charset="0"/>
+              </a:rPr>
+              <a:t>DISTINCTCOUNT</a:t>
+            </a:r>
+            <a:r>
+              <a:rPr lang="en-US" b="0" dirty="0">
+                <a:solidFill>
+                  <a:srgbClr val="000000"/>
+                </a:solidFill>
+                <a:effectLst/>
+                <a:highlight>
+                  <a:srgbClr val="FFFFFE"/>
+                </a:highlight>
+                <a:latin typeface="Consolas" panose="020B0609020204030204" pitchFamily="49" charset="0"/>
+              </a:rPr>
+              <a:t>(</a:t>
+            </a:r>
+            <a:r>
+              <a:rPr lang="en-US" b="0" dirty="0">
+                <a:solidFill>
+                  <a:srgbClr val="001080"/>
+                </a:solidFill>
+                <a:effectLst/>
+                <a:highlight>
+                  <a:srgbClr val="FFFFFE"/>
+                </a:highlight>
+                <a:latin typeface="Consolas" panose="020B0609020204030204" pitchFamily="49" charset="0"/>
+              </a:rPr>
+              <a:t>Sales_Data[CustomerID]</a:t>
+            </a:r>
+            <a:r>
+              <a:rPr lang="en-US" b="0" dirty="0">
+                <a:solidFill>
+                  <a:srgbClr val="000000"/>
+                </a:solidFill>
+                <a:effectLst/>
+                <a:highlight>
+                  <a:srgbClr val="FFFFFE"/>
+                </a:highlight>
+                <a:latin typeface="Consolas" panose="020B0609020204030204" pitchFamily="49" charset="0"/>
+              </a:rPr>
+              <a:t>)</a:t>
+            </a:r>
+          </a:p>
+          <a:p>
+            <a:endParaRPr lang="en-US" b="0" dirty="0">
+              <a:solidFill>
+                <a:srgbClr val="000000"/>
+              </a:solidFill>
+              <a:effectLst/>
+              <a:highlight>
+                <a:srgbClr val="FFFFFE"/>
+              </a:highlight>
+              <a:latin typeface="Consolas" panose="020B0609020204030204" pitchFamily="49" charset="0"/>
+            </a:endParaRPr>
+          </a:p>
+          <a:p>
+            <a:endParaRPr lang="en-IN" dirty="0"/>
+          </a:p>
+        </p:txBody>
+      </p:sp>
+    </p:spTree>
+    <p:extLst>
+      <p:ext uri="{BB962C8B-B14F-4D97-AF65-F5344CB8AC3E}">
+        <p14:creationId xmlns:p14="http://schemas.microsoft.com/office/powerpoint/2010/main" val="3438971950"/>
+      </p:ext>
+    </p:extLst>
+  </p:cSld>
+  <p:clrMapOvr>
+    <a:masterClrMapping/>
+  </p:clrMapOvr>
+</p:sld>
+</file>
+
+<file path=ppt/slides/slide5.xml><?xml version="1.0" encoding="utf-8"?>
+<p:sld xmlns:a="http://schemas.openxmlformats.org/drawingml/2006/main" xmlns:r="http://schemas.openxmlformats.org/officeDocument/2006/relationships" xmlns:p="http://schemas.openxmlformats.org/presentationml/2006/main">
+  <p:cSld>
+    <p:spTree>
+      <p:nvGrpSpPr>
+        <p:cNvPr id="1" name=""/>
+        <p:cNvGrpSpPr/>
+        <p:nvPr/>
+      </p:nvGrpSpPr>
+      <p:grpSpPr>
+        <a:xfrm>
+          <a:off x="0" y="0"/>
+          <a:ext cx="0" cy="0"/>
+          <a:chOff x="0" y="0"/>
+          <a:chExt cx="0" cy="0"/>
+        </a:xfrm>
+      </p:grpSpPr>
+      <p:sp>
+        <p:nvSpPr>
+          <p:cNvPr id="2" name="Title 1">
+            <a:extLst>
+              <a:ext uri="{FF2B5EF4-FFF2-40B4-BE49-F238E27FC236}">
                 <a16:creationId xmlns:a16="http://schemas.microsoft.com/office/drawing/2014/main" id="{5ACAA95D-EE98-2F4E-2CA0-3158DBACCF36}"/>
               </a:ext>
             </a:extLst>
@@ -10000,7 +10646,7 @@
               <a:rPr lang="en-US" sz="1400" dirty="0">
                 <a:latin typeface="Aptos" panose="020B0004020202020204" pitchFamily="34" charset="0"/>
               </a:rPr>
-              <a:t>There is a noticeable increase in revenue in the months of November and December, indicating strong seasonal sales, likely due to holiday shopping.</a:t>
+              <a:t>There is a noticeable increase in revenue in the months of November and December, indicating strong seasonal sales, likely due to winter holiday shopping.</a:t>
             </a:r>
             <a:endParaRPr kumimoji="0" lang="en-US" altLang="en-US" sz="1400" b="0" i="0" u="none" strike="noStrike" cap="none" normalizeH="0" baseline="0" dirty="0">
               <a:ln>
@@ -10028,7 +10674,7 @@
 </p:sld>
 </file>
 
-<file path=ppt/slides/slide5.xml><?xml version="1.0" encoding="utf-8"?>
+<file path=ppt/slides/slide6.xml><?xml version="1.0" encoding="utf-8"?>
 <p:sld xmlns:a="http://schemas.openxmlformats.org/drawingml/2006/main" xmlns:r="http://schemas.openxmlformats.org/officeDocument/2006/relationships" xmlns:p="http://schemas.openxmlformats.org/presentationml/2006/main">
   <p:cSld>
     <p:spTree>
@@ -10790,7 +11436,7 @@
 </p:sld>
 </file>
 
-<file path=ppt/slides/slide6.xml><?xml version="1.0" encoding="utf-8"?>
+<file path=ppt/slides/slide7.xml><?xml version="1.0" encoding="utf-8"?>
 <p:sld xmlns:a="http://schemas.openxmlformats.org/drawingml/2006/main" xmlns:r="http://schemas.openxmlformats.org/officeDocument/2006/relationships" xmlns:p="http://schemas.openxmlformats.org/presentationml/2006/main">
   <p:cSld>
     <p:spTree>
@@ -10983,25 +11629,12 @@
                   <a:noFill/>
                 </a:ln>
                 <a:solidFill>
-                  <a:srgbClr val="0070C0"/>
+                  <a:srgbClr val="C00000"/>
                 </a:solidFill>
                 <a:effectLst/>
                 <a:latin typeface="Arial" panose="020B0604020202020204" pitchFamily="34" charset="0"/>
               </a:rPr>
-              <a:t>:- </a:t>
-            </a:r>
-            <a:r>
-              <a:rPr kumimoji="0" lang="en-US" altLang="en-US" sz="1400" b="0" i="0" u="none" strike="noStrike" cap="none" normalizeH="0" baseline="0" dirty="0">
-                <a:ln>
-                  <a:noFill/>
-                </a:ln>
-                <a:solidFill>
-                  <a:schemeClr val="tx1"/>
-                </a:solidFill>
-                <a:effectLst/>
-                <a:latin typeface="Arial" panose="020B0604020202020204" pitchFamily="34" charset="0"/>
-              </a:rPr>
-              <a:t>Column Chart</a:t>
+              <a:t>:- Column Chart</a:t>
             </a:r>
           </a:p>
           <a:p>
@@ -11117,7 +11750,7 @@
               <a:rPr lang="en-US" sz="1400" dirty="0">
                 <a:latin typeface="Aptos" panose="020B0004020202020204" pitchFamily="34" charset="0"/>
               </a:rPr>
-              <a:t>The bar chart shows the top 10 products by revenue. The highest revenue-generating product has a Stock Code of 22423 with approximately ₹2.1M in revenue</a:t>
+              <a:t>The bar chart shows the top 10 products by revenue. The highest revenue-generating product has a Stock Code of DOT with approximately ₹206K in revenue</a:t>
             </a:r>
             <a:r>
               <a:rPr lang="en-US" altLang="en-US" sz="1400" dirty="0">
@@ -11189,7 +11822,7 @@
 </p:sld>
 </file>
 
-<file path=ppt/slides/slide7.xml><?xml version="1.0" encoding="utf-8"?>
+<file path=ppt/slides/slide8.xml><?xml version="1.0" encoding="utf-8"?>
 <p:sld xmlns:a="http://schemas.openxmlformats.org/drawingml/2006/main" xmlns:r="http://schemas.openxmlformats.org/officeDocument/2006/relationships" xmlns:p="http://schemas.openxmlformats.org/presentationml/2006/main">
   <p:cSld>
     <p:spTree>
@@ -11670,7 +12303,7 @@
 </p:sld>
 </file>
 
-<file path=ppt/slides/slide8.xml><?xml version="1.0" encoding="utf-8"?>
+<file path=ppt/slides/slide9.xml><?xml version="1.0" encoding="utf-8"?>
 <p:sld xmlns:a="http://schemas.openxmlformats.org/drawingml/2006/main" xmlns:r="http://schemas.openxmlformats.org/officeDocument/2006/relationships" xmlns:p="http://schemas.openxmlformats.org/presentationml/2006/main">
   <p:cSld>
     <p:spTree>
@@ -12070,255 +12703,6 @@
     <p:extLst>
       <p:ext uri="{BB962C8B-B14F-4D97-AF65-F5344CB8AC3E}">
         <p14:creationId xmlns:p14="http://schemas.microsoft.com/office/powerpoint/2010/main" val="635633557"/>
-      </p:ext>
-    </p:extLst>
-  </p:cSld>
-  <p:clrMapOvr>
-    <a:masterClrMapping/>
-  </p:clrMapOvr>
-</p:sld>
-</file>
-
-<file path=ppt/slides/slide9.xml><?xml version="1.0" encoding="utf-8"?>
-<p:sld xmlns:a="http://schemas.openxmlformats.org/drawingml/2006/main" xmlns:r="http://schemas.openxmlformats.org/officeDocument/2006/relationships" xmlns:p="http://schemas.openxmlformats.org/presentationml/2006/main">
-  <p:cSld>
-    <p:spTree>
-      <p:nvGrpSpPr>
-        <p:cNvPr id="1" name=""/>
-        <p:cNvGrpSpPr/>
-        <p:nvPr/>
-      </p:nvGrpSpPr>
-      <p:grpSpPr>
-        <a:xfrm>
-          <a:off x="0" y="0"/>
-          <a:ext cx="0" cy="0"/>
-          <a:chOff x="0" y="0"/>
-          <a:chExt cx="0" cy="0"/>
-        </a:xfrm>
-      </p:grpSpPr>
-      <p:sp>
-        <p:nvSpPr>
-          <p:cNvPr id="2" name="Title 1">
-            <a:extLst>
-              <a:ext uri="{FF2B5EF4-FFF2-40B4-BE49-F238E27FC236}">
-                <a16:creationId xmlns:a16="http://schemas.microsoft.com/office/drawing/2014/main" id="{EBABC489-B0F5-82A1-ABBF-55455141F9C7}"/>
-              </a:ext>
-            </a:extLst>
-          </p:cNvPr>
-          <p:cNvSpPr>
-            <a:spLocks noGrp="1"/>
-          </p:cNvSpPr>
-          <p:nvPr>
-            <p:ph type="title"/>
-          </p:nvPr>
-        </p:nvSpPr>
-        <p:spPr>
-          <a:xfrm>
-            <a:off x="1882588" y="446088"/>
-            <a:ext cx="6777318" cy="683465"/>
-          </a:xfrm>
-        </p:spPr>
-        <p:txBody>
-          <a:bodyPr/>
-          <a:lstStyle/>
-          <a:p>
-            <a:r>
-              <a:rPr lang="en-IN" b="1" dirty="0">
-                <a:solidFill>
-                  <a:srgbClr val="C00000"/>
-                </a:solidFill>
-                <a:latin typeface="Aptos" panose="020B0004020202020204" pitchFamily="34" charset="0"/>
-              </a:rPr>
-              <a:t>Slicers (Filters) by Location and Restaurant Category</a:t>
-            </a:r>
-          </a:p>
-        </p:txBody>
-      </p:sp>
-      <p:pic>
-        <p:nvPicPr>
-          <p:cNvPr id="8" name="Content Placeholder 7">
-            <a:extLst>
-              <a:ext uri="{FF2B5EF4-FFF2-40B4-BE49-F238E27FC236}">
-                <a16:creationId xmlns:a16="http://schemas.microsoft.com/office/drawing/2014/main" id="{2173F8EA-4E8B-6BD9-7A5D-54BF5867DF32}"/>
-              </a:ext>
-            </a:extLst>
-          </p:cNvPr>
-          <p:cNvPicPr>
-            <a:picLocks noGrp="1" noChangeAspect="1"/>
-          </p:cNvPicPr>
-          <p:nvPr>
-            <p:ph idx="1"/>
-          </p:nvPr>
-        </p:nvPicPr>
-        <p:blipFill>
-          <a:blip r:embed="rId2"/>
-          <a:srcRect/>
-          <a:stretch/>
-        </p:blipFill>
-        <p:spPr>
-          <a:xfrm>
-            <a:off x="7770363" y="2169459"/>
-            <a:ext cx="3772426" cy="3315163"/>
-          </a:xfrm>
-        </p:spPr>
-      </p:pic>
-      <p:sp>
-        <p:nvSpPr>
-          <p:cNvPr id="4" name="Text Placeholder 3">
-            <a:extLst>
-              <a:ext uri="{FF2B5EF4-FFF2-40B4-BE49-F238E27FC236}">
-                <a16:creationId xmlns:a16="http://schemas.microsoft.com/office/drawing/2014/main" id="{49C094A0-7BE9-161E-B308-897039357ACE}"/>
-              </a:ext>
-            </a:extLst>
-          </p:cNvPr>
-          <p:cNvSpPr>
-            <a:spLocks noGrp="1"/>
-          </p:cNvSpPr>
-          <p:nvPr>
-            <p:ph type="body" sz="half" idx="2"/>
-          </p:nvPr>
-        </p:nvSpPr>
-        <p:spPr>
-          <a:xfrm>
-            <a:off x="2043953" y="1927412"/>
-            <a:ext cx="5208493" cy="3933637"/>
-          </a:xfrm>
-        </p:spPr>
-        <p:txBody>
-          <a:bodyPr>
-            <a:normAutofit/>
-          </a:bodyPr>
-          <a:lstStyle/>
-          <a:p>
-            <a:r>
-              <a:rPr lang="en-US" b="1" dirty="0">
-                <a:solidFill>
-                  <a:srgbClr val="0070C0"/>
-                </a:solidFill>
-              </a:rPr>
-              <a:t>Insights:-</a:t>
-            </a:r>
-            <a:r>
-              <a:rPr lang="en-US" dirty="0"/>
-              <a:t> </a:t>
-            </a:r>
-            <a:r>
-              <a:rPr lang="en-US" dirty="0">
-                <a:solidFill>
-                  <a:srgbClr val="002060"/>
-                </a:solidFill>
-                <a:latin typeface="Aptos" panose="020B0004020202020204" pitchFamily="34" charset="0"/>
-              </a:rPr>
-              <a:t>To enhance the data analysis process, I utilized slicers in Power BI. Specifically, I implemented slicers based on ‘Country Location’, Month Name and Year. These slicers provide the following benefits:</a:t>
-            </a:r>
-          </a:p>
-          <a:p>
-            <a:pPr>
-              <a:buFont typeface="Arial" panose="020B0604020202020204" pitchFamily="34" charset="0"/>
-              <a:buChar char="•"/>
-            </a:pPr>
-            <a:r>
-              <a:rPr lang="en-US" b="1" dirty="0">
-                <a:solidFill>
-                  <a:srgbClr val="C00000"/>
-                </a:solidFill>
-                <a:latin typeface="Aptos" panose="020B0004020202020204" pitchFamily="34" charset="0"/>
-              </a:rPr>
-              <a:t>Enhanced Specificity:</a:t>
-            </a:r>
-            <a:r>
-              <a:rPr lang="en-US" dirty="0">
-                <a:solidFill>
-                  <a:srgbClr val="C00000"/>
-                </a:solidFill>
-                <a:latin typeface="Aptos" panose="020B0004020202020204" pitchFamily="34" charset="0"/>
-              </a:rPr>
-              <a:t> </a:t>
-            </a:r>
-            <a:r>
-              <a:rPr lang="en-US" dirty="0">
-                <a:latin typeface="Aptos" panose="020B0004020202020204" pitchFamily="34" charset="0"/>
-              </a:rPr>
-              <a:t>Allows for more granular analysis by filtering data according to specific city locations and restaurant categories.</a:t>
-            </a:r>
-          </a:p>
-          <a:p>
-            <a:pPr>
-              <a:buFont typeface="Arial" panose="020B0604020202020204" pitchFamily="34" charset="0"/>
-              <a:buChar char="•"/>
-            </a:pPr>
-            <a:r>
-              <a:rPr lang="en-US" b="1" dirty="0">
-                <a:solidFill>
-                  <a:srgbClr val="C00000"/>
-                </a:solidFill>
-                <a:latin typeface="Aptos" panose="020B0004020202020204" pitchFamily="34" charset="0"/>
-              </a:rPr>
-              <a:t>Improved Interactivity:</a:t>
-            </a:r>
-            <a:r>
-              <a:rPr lang="en-US" dirty="0">
-                <a:solidFill>
-                  <a:srgbClr val="C00000"/>
-                </a:solidFill>
-                <a:latin typeface="Aptos" panose="020B0004020202020204" pitchFamily="34" charset="0"/>
-              </a:rPr>
-              <a:t> </a:t>
-            </a:r>
-            <a:r>
-              <a:rPr lang="en-US" dirty="0">
-                <a:latin typeface="Aptos" panose="020B0004020202020204" pitchFamily="34" charset="0"/>
-              </a:rPr>
-              <a:t>Adds value to the dashboard by making it interactive, enabling users to explore the data dynamically.</a:t>
-            </a:r>
-          </a:p>
-          <a:p>
-            <a:pPr>
-              <a:buFont typeface="Arial" panose="020B0604020202020204" pitchFamily="34" charset="0"/>
-              <a:buChar char="•"/>
-            </a:pPr>
-            <a:r>
-              <a:rPr lang="en-US" b="1" dirty="0">
-                <a:solidFill>
-                  <a:srgbClr val="C00000"/>
-                </a:solidFill>
-                <a:latin typeface="Aptos" panose="020B0004020202020204" pitchFamily="34" charset="0"/>
-              </a:rPr>
-              <a:t>Efficient Data Analysis:</a:t>
-            </a:r>
-            <a:r>
-              <a:rPr lang="en-US" dirty="0">
-                <a:solidFill>
-                  <a:srgbClr val="C00000"/>
-                </a:solidFill>
-                <a:latin typeface="Aptos" panose="020B0004020202020204" pitchFamily="34" charset="0"/>
-              </a:rPr>
-              <a:t> </a:t>
-            </a:r>
-            <a:r>
-              <a:rPr lang="en-US" dirty="0">
-                <a:latin typeface="Aptos" panose="020B0004020202020204" pitchFamily="34" charset="0"/>
-              </a:rPr>
-              <a:t>Facilitates a more targeted examination of the dataset, helping to uncover detailed insights and trends.</a:t>
-            </a:r>
-          </a:p>
-          <a:p>
-            <a:r>
-              <a:rPr lang="en-US" dirty="0">
-                <a:latin typeface="Aptos" panose="020B0004020202020204" pitchFamily="34" charset="0"/>
-              </a:rPr>
-              <a:t>Using slicers, the dashboard becomes a powerful tool for understanding and interpreting the restaurant data in a more meaningful way.</a:t>
-            </a:r>
-          </a:p>
-          <a:p>
-            <a:endParaRPr lang="en-IN" dirty="0"/>
-          </a:p>
-        </p:txBody>
-      </p:sp>
-    </p:spTree>
-    <p:extLst>
-      <p:ext uri="{BB962C8B-B14F-4D97-AF65-F5344CB8AC3E}">
-        <p14:creationId xmlns:p14="http://schemas.microsoft.com/office/powerpoint/2010/main" val="2967760983"/>
       </p:ext>
     </p:extLst>
   </p:cSld>

--- a/LearnKnowD Sales Analysis.pptx
+++ b/LearnKnowD Sales Analysis.pptx
@@ -7956,7 +7956,25 @@
                 </a:solidFill>
                 <a:latin typeface="Aptos" panose="020B0004020202020204" pitchFamily="34" charset="0"/>
               </a:rPr>
-              <a:t>To enhance the data analysis process, I utilized slicers in Power BI. Specifically, I implemented slicers based on ‘Country Location’, Month Name and Year. These slicers provide the following benefits:</a:t>
+              <a:t>To enhance the data analysis process, I utilized slicers in Power BI. Specifically, I implemented slicers </a:t>
+            </a:r>
+            <a:r>
+              <a:rPr lang="en-US">
+                <a:solidFill>
+                  <a:srgbClr val="002060"/>
+                </a:solidFill>
+                <a:latin typeface="Aptos" panose="020B0004020202020204" pitchFamily="34" charset="0"/>
+              </a:rPr>
+              <a:t>based on Country </a:t>
+            </a:r>
+            <a:r>
+              <a:rPr lang="en-US" dirty="0">
+                <a:solidFill>
+                  <a:srgbClr val="002060"/>
+                </a:solidFill>
+                <a:latin typeface="Aptos" panose="020B0004020202020204" pitchFamily="34" charset="0"/>
+              </a:rPr>
+              <a:t>Location, Month Name and Year. These slicers provide the following benefits:</a:t>
             </a:r>
           </a:p>
           <a:p>
@@ -7986,7 +8004,7 @@
               <a:rPr lang="en-US" dirty="0">
                 <a:latin typeface="Aptos" panose="020B0004020202020204" pitchFamily="34" charset="0"/>
               </a:rPr>
-              <a:t>Allows for more granular analysis by filtering data according to specific city locations and restaurant categories.</a:t>
+              <a:t>Allows for more granular analysis by filtering data according to specific country locations and month categories.</a:t>
             </a:r>
           </a:p>
           <a:p>
@@ -8054,7 +8072,7 @@
               <a:rPr lang="en-US" dirty="0">
                 <a:latin typeface="Aptos" panose="020B0004020202020204" pitchFamily="34" charset="0"/>
               </a:rPr>
-              <a:t>Using slicers, the dashboard becomes a powerful tool for understanding and interpreting the restaurant data in a more meaningful way.</a:t>
+              <a:t>Using slicers, the dashboard becomes a powerful tool for understanding and interpreting the sales data in a more meaningful way.</a:t>
             </a:r>
           </a:p>
           <a:p>
@@ -9226,7 +9244,26 @@
                 <a:effectLst/>
                 <a:latin typeface="Arial" panose="020B0604020202020204" pitchFamily="34" charset="0"/>
               </a:rPr>
-              <a:t>The task involves analyzing the restaurant data based on various parameters to retrieve actionable insights from the dataset.</a:t>
+              <a:t>The task involves analyzing the </a:t>
+            </a:r>
+            <a:r>
+              <a:rPr lang="en-US" altLang="en-US" sz="1400" dirty="0">
+                <a:latin typeface="Arial" panose="020B0604020202020204" pitchFamily="34" charset="0"/>
+              </a:rPr>
+              <a:t>sales</a:t>
+            </a:r>
+            <a:r>
+              <a:rPr kumimoji="0" lang="en-US" altLang="en-US" sz="1400" b="0" i="0" u="none" strike="noStrike" cap="none" normalizeH="0" baseline="0" dirty="0">
+                <a:ln>
+                  <a:noFill/>
+                </a:ln>
+                <a:solidFill>
+                  <a:schemeClr val="tx1"/>
+                </a:solidFill>
+                <a:effectLst/>
+                <a:latin typeface="Arial" panose="020B0604020202020204" pitchFamily="34" charset="0"/>
+              </a:rPr>
+              <a:t> data based on various parameters to retrieve actionable insights from the dataset.</a:t>
             </a:r>
           </a:p>
           <a:p>
@@ -11917,22 +11954,31 @@
             <a:r>
               <a:rPr lang="en-US" b="1" dirty="0">
                 <a:solidFill>
+                  <a:srgbClr val="0070C0"/>
+                </a:solidFill>
+                <a:latin typeface="Aptos" panose="020B0004020202020204" pitchFamily="34" charset="0"/>
+              </a:rPr>
+              <a:t>       Visualization Type</a:t>
+            </a:r>
+            <a:r>
+              <a:rPr lang="en-US" dirty="0">
+                <a:solidFill>
+                  <a:srgbClr val="0070C0"/>
+                </a:solidFill>
+              </a:rPr>
+              <a:t>:- </a:t>
+            </a:r>
+            <a:r>
+              <a:rPr lang="en-US" sz="1600" dirty="0">
+                <a:solidFill>
                   <a:schemeClr val="accent1"/>
                 </a:solidFill>
                 <a:latin typeface="Aptos" panose="020B0004020202020204" pitchFamily="34" charset="0"/>
               </a:rPr>
-              <a:t>       Visualization Type</a:t>
-            </a:r>
-            <a:r>
-              <a:rPr lang="en-US" dirty="0">
-                <a:solidFill>
-                  <a:schemeClr val="accent1"/>
-                </a:solidFill>
-              </a:rPr>
-              <a:t>:- Bar Chart</a:t>
-            </a:r>
-            <a:endParaRPr lang="en-US" sz="1500" dirty="0">
-              <a:latin typeface="Arial" panose="020B0604020202020204" pitchFamily="34" charset="0"/>
+              <a:t>Bar Chart</a:t>
+            </a:r>
+            <a:endParaRPr lang="en-US" sz="1600" dirty="0">
+              <a:latin typeface="Aptos" panose="020B0004020202020204" pitchFamily="34" charset="0"/>
               <a:cs typeface="Arial" panose="020B0604020202020204" pitchFamily="34" charset="0"/>
             </a:endParaRPr>
           </a:p>
@@ -11943,7 +11989,7 @@
             <a:r>
               <a:rPr lang="en-US" sz="1500" b="1" dirty="0">
                 <a:solidFill>
-                  <a:schemeClr val="accent1"/>
+                  <a:srgbClr val="0070C0"/>
                 </a:solidFill>
                 <a:latin typeface="Arial" panose="020B0604020202020204" pitchFamily="34" charset="0"/>
                 <a:cs typeface="Arial" panose="020B0604020202020204" pitchFamily="34" charset="0"/>
@@ -11952,12 +11998,19 @@
             </a:r>
             <a:r>
               <a:rPr lang="en-US" sz="1500" dirty="0">
+                <a:solidFill>
+                  <a:srgbClr val="0070C0"/>
+                </a:solidFill>
                 <a:latin typeface="Arial" panose="020B0604020202020204" pitchFamily="34" charset="0"/>
                 <a:cs typeface="Arial" panose="020B0604020202020204" pitchFamily="34" charset="0"/>
               </a:rPr>
               <a:t>:- </a:t>
             </a:r>
-            <a:endParaRPr lang="en-IN" dirty="0"/>
+            <a:endParaRPr lang="en-IN" dirty="0">
+              <a:solidFill>
+                <a:srgbClr val="0070C0"/>
+              </a:solidFill>
+            </a:endParaRPr>
           </a:p>
         </p:txBody>
       </p:sp>
@@ -12644,7 +12697,7 @@
                 </a:solidFill>
                 <a:latin typeface="Aptos" panose="020B0004020202020204" pitchFamily="34" charset="0"/>
               </a:rPr>
-              <a:t>This map shows the geographic distribution of restaurants.</a:t>
+              <a:t>This map shows the geographic distribution of revenue.</a:t>
             </a:r>
             <a:endParaRPr kumimoji="0" lang="en-US" altLang="en-US" sz="1400" b="0" i="0" u="none" strike="noStrike" cap="none" normalizeH="0" baseline="0" dirty="0">
               <a:ln>
